--- a/Session-03-ITS2_Symbiodiniaceae_workflow_in_R_and_RStudio/Session-03-03-Short-intro-to-R.pptx
+++ b/Session-03-ITS2_Symbiodiniaceae_workflow_in_R_and_RStudio/Session-03-03-Short-intro-to-R.pptx
@@ -5,7 +5,7 @@
     <p:sldMasterId id="2147483648" r:id="rId1"/>
   </p:sldMasterIdLst>
   <p:notesMasterIdLst>
-    <p:notesMasterId r:id="rId15"/>
+    <p:notesMasterId r:id="rId14"/>
   </p:notesMasterIdLst>
   <p:sldIdLst>
     <p:sldId id="270" r:id="rId2"/>
@@ -13,14 +13,13 @@
     <p:sldId id="271" r:id="rId4"/>
     <p:sldId id="272" r:id="rId5"/>
     <p:sldId id="273" r:id="rId6"/>
-    <p:sldId id="274" r:id="rId7"/>
-    <p:sldId id="276" r:id="rId8"/>
-    <p:sldId id="275" r:id="rId9"/>
-    <p:sldId id="278" r:id="rId10"/>
-    <p:sldId id="277" r:id="rId11"/>
-    <p:sldId id="279" r:id="rId12"/>
-    <p:sldId id="280" r:id="rId13"/>
-    <p:sldId id="281" r:id="rId14"/>
+    <p:sldId id="276" r:id="rId7"/>
+    <p:sldId id="275" r:id="rId8"/>
+    <p:sldId id="278" r:id="rId9"/>
+    <p:sldId id="277" r:id="rId10"/>
+    <p:sldId id="279" r:id="rId11"/>
+    <p:sldId id="280" r:id="rId12"/>
+    <p:sldId id="281" r:id="rId13"/>
   </p:sldIdLst>
   <p:sldSz cx="12192000" cy="6858000"/>
   <p:notesSz cx="6858000" cy="9144000"/>
@@ -140,7 +139,7 @@
   <pc:docChgLst>
     <pc:chgData name="John Bennedick Quijano" userId="edb3d445-3dba-4f62-8077-bafdc7822d72" providerId="ADAL" clId="{7E2437FE-E28A-4F46-803B-591A95A21ACD}"/>
     <pc:docChg chg="undo redo custSel addSld delSld modSld sldOrd">
-      <pc:chgData name="John Bennedick Quijano" userId="edb3d445-3dba-4f62-8077-bafdc7822d72" providerId="ADAL" clId="{7E2437FE-E28A-4F46-803B-591A95A21ACD}" dt="2023-11-10T11:01:53" v="2381" actId="47"/>
+      <pc:chgData name="John Bennedick Quijano" userId="edb3d445-3dba-4f62-8077-bafdc7822d72" providerId="ADAL" clId="{7E2437FE-E28A-4F46-803B-591A95A21ACD}" dt="2023-11-11T01:52:15.252" v="2382" actId="47"/>
       <pc:docMkLst>
         <pc:docMk/>
       </pc:docMkLst>
@@ -512,8 +511,8 @@
           </ac:picMkLst>
         </pc:picChg>
       </pc:sldChg>
-      <pc:sldChg chg="modSp add">
-        <pc:chgData name="John Bennedick Quijano" userId="edb3d445-3dba-4f62-8077-bafdc7822d72" providerId="ADAL" clId="{7E2437FE-E28A-4F46-803B-591A95A21ACD}" dt="2023-11-10T10:25:11.049" v="697" actId="1362"/>
+      <pc:sldChg chg="modSp add del">
+        <pc:chgData name="John Bennedick Quijano" userId="edb3d445-3dba-4f62-8077-bafdc7822d72" providerId="ADAL" clId="{7E2437FE-E28A-4F46-803B-591A95A21ACD}" dt="2023-11-11T01:52:15.252" v="2382" actId="47"/>
         <pc:sldMkLst>
           <pc:docMk/>
           <pc:sldMk cId="754789795" sldId="274"/>
@@ -1406,7 +1405,7 @@
           <a:p>
             <a:fld id="{69F6D197-1A69-4747-A94E-EA39EEE94B28}" type="datetimeFigureOut">
               <a:rPr lang="en-PH" smtClean="0"/>
-              <a:t>10/11/2023</a:t>
+              <a:t>11/11/2023</a:t>
             </a:fld>
             <a:endParaRPr lang="en-PH"/>
           </a:p>
@@ -1823,7 +1822,7 @@
           <a:p>
             <a:fld id="{CEC27E43-7941-4304-ADAD-00C73980A2AA}" type="datetimeFigureOut">
               <a:rPr lang="en-PH" smtClean="0"/>
-              <a:t>10/11/2023</a:t>
+              <a:t>11/11/2023</a:t>
             </a:fld>
             <a:endParaRPr lang="en-PH"/>
           </a:p>
@@ -2023,7 +2022,7 @@
           <a:p>
             <a:fld id="{CEC27E43-7941-4304-ADAD-00C73980A2AA}" type="datetimeFigureOut">
               <a:rPr lang="en-PH" smtClean="0"/>
-              <a:t>10/11/2023</a:t>
+              <a:t>11/11/2023</a:t>
             </a:fld>
             <a:endParaRPr lang="en-PH"/>
           </a:p>
@@ -2233,7 +2232,7 @@
           <a:p>
             <a:fld id="{CEC27E43-7941-4304-ADAD-00C73980A2AA}" type="datetimeFigureOut">
               <a:rPr lang="en-PH" smtClean="0"/>
-              <a:t>10/11/2023</a:t>
+              <a:t>11/11/2023</a:t>
             </a:fld>
             <a:endParaRPr lang="en-PH"/>
           </a:p>
@@ -2433,7 +2432,7 @@
           <a:p>
             <a:fld id="{CEC27E43-7941-4304-ADAD-00C73980A2AA}" type="datetimeFigureOut">
               <a:rPr lang="en-PH" smtClean="0"/>
-              <a:t>10/11/2023</a:t>
+              <a:t>11/11/2023</a:t>
             </a:fld>
             <a:endParaRPr lang="en-PH"/>
           </a:p>
@@ -2709,7 +2708,7 @@
           <a:p>
             <a:fld id="{CEC27E43-7941-4304-ADAD-00C73980A2AA}" type="datetimeFigureOut">
               <a:rPr lang="en-PH" smtClean="0"/>
-              <a:t>10/11/2023</a:t>
+              <a:t>11/11/2023</a:t>
             </a:fld>
             <a:endParaRPr lang="en-PH"/>
           </a:p>
@@ -2977,7 +2976,7 @@
           <a:p>
             <a:fld id="{CEC27E43-7941-4304-ADAD-00C73980A2AA}" type="datetimeFigureOut">
               <a:rPr lang="en-PH" smtClean="0"/>
-              <a:t>10/11/2023</a:t>
+              <a:t>11/11/2023</a:t>
             </a:fld>
             <a:endParaRPr lang="en-PH"/>
           </a:p>
@@ -3392,7 +3391,7 @@
           <a:p>
             <a:fld id="{CEC27E43-7941-4304-ADAD-00C73980A2AA}" type="datetimeFigureOut">
               <a:rPr lang="en-PH" smtClean="0"/>
-              <a:t>10/11/2023</a:t>
+              <a:t>11/11/2023</a:t>
             </a:fld>
             <a:endParaRPr lang="en-PH"/>
           </a:p>
@@ -3534,7 +3533,7 @@
           <a:p>
             <a:fld id="{CEC27E43-7941-4304-ADAD-00C73980A2AA}" type="datetimeFigureOut">
               <a:rPr lang="en-PH" smtClean="0"/>
-              <a:t>10/11/2023</a:t>
+              <a:t>11/11/2023</a:t>
             </a:fld>
             <a:endParaRPr lang="en-PH"/>
           </a:p>
@@ -3647,7 +3646,7 @@
           <a:p>
             <a:fld id="{CEC27E43-7941-4304-ADAD-00C73980A2AA}" type="datetimeFigureOut">
               <a:rPr lang="en-PH" smtClean="0"/>
-              <a:t>10/11/2023</a:t>
+              <a:t>11/11/2023</a:t>
             </a:fld>
             <a:endParaRPr lang="en-PH"/>
           </a:p>
@@ -3960,7 +3959,7 @@
           <a:p>
             <a:fld id="{CEC27E43-7941-4304-ADAD-00C73980A2AA}" type="datetimeFigureOut">
               <a:rPr lang="en-PH" smtClean="0"/>
-              <a:t>10/11/2023</a:t>
+              <a:t>11/11/2023</a:t>
             </a:fld>
             <a:endParaRPr lang="en-PH"/>
           </a:p>
@@ -4249,7 +4248,7 @@
           <a:p>
             <a:fld id="{CEC27E43-7941-4304-ADAD-00C73980A2AA}" type="datetimeFigureOut">
               <a:rPr lang="en-PH" smtClean="0"/>
-              <a:t>10/11/2023</a:t>
+              <a:t>11/11/2023</a:t>
             </a:fld>
             <a:endParaRPr lang="en-PH"/>
           </a:p>
@@ -4492,7 +4491,7 @@
           <a:p>
             <a:fld id="{CEC27E43-7941-4304-ADAD-00C73980A2AA}" type="datetimeFigureOut">
               <a:rPr lang="en-PH" smtClean="0"/>
-              <a:t>10/11/2023</a:t>
+              <a:t>11/11/2023</a:t>
             </a:fld>
             <a:endParaRPr lang="en-PH"/>
           </a:p>
@@ -5023,195 +5022,6 @@
 <file path=ppt/slides/slide10.xml><?xml version="1.0" encoding="utf-8"?>
 <p:sld xmlns:a="http://schemas.openxmlformats.org/drawingml/2006/main" xmlns:r="http://schemas.openxmlformats.org/officeDocument/2006/relationships" xmlns:p="http://schemas.openxmlformats.org/presentationml/2006/main">
   <p:cSld>
-    <p:bg>
-      <p:bgPr>
-        <a:solidFill>
-          <a:srgbClr val="203864"/>
-        </a:solidFill>
-        <a:effectLst/>
-      </p:bgPr>
-    </p:bg>
-    <p:spTree>
-      <p:nvGrpSpPr>
-        <p:cNvPr id="1" name=""/>
-        <p:cNvGrpSpPr/>
-        <p:nvPr/>
-      </p:nvGrpSpPr>
-      <p:grpSpPr>
-        <a:xfrm>
-          <a:off x="0" y="0"/>
-          <a:ext cx="0" cy="0"/>
-          <a:chOff x="0" y="0"/>
-          <a:chExt cx="0" cy="0"/>
-        </a:xfrm>
-      </p:grpSpPr>
-      <p:sp>
-        <p:nvSpPr>
-          <p:cNvPr id="4" name="Title 3">
-            <a:extLst>
-              <a:ext uri="{FF2B5EF4-FFF2-40B4-BE49-F238E27FC236}">
-                <a16:creationId xmlns:a16="http://schemas.microsoft.com/office/drawing/2014/main" id="{7CE7D85D-2389-47E6-9DC1-F12E18815E0E}"/>
-              </a:ext>
-            </a:extLst>
-          </p:cNvPr>
-          <p:cNvSpPr>
-            <a:spLocks noGrp="1"/>
-          </p:cNvSpPr>
-          <p:nvPr>
-            <p:ph type="title"/>
-          </p:nvPr>
-        </p:nvSpPr>
-        <p:spPr>
-          <a:xfrm>
-            <a:off x="838200" y="2543449"/>
-            <a:ext cx="10515600" cy="1325563"/>
-          </a:xfrm>
-        </p:spPr>
-        <p:txBody>
-          <a:bodyPr>
-            <a:normAutofit/>
-          </a:bodyPr>
-          <a:lstStyle/>
-          <a:p>
-            <a:pPr algn="ctr"/>
-            <a:r>
-              <a:rPr lang="en-PH" sz="4800" dirty="0">
-                <a:solidFill>
-                  <a:schemeClr val="bg1"/>
-                </a:solidFill>
-                <a:latin typeface="Arial" panose="020B0604020202020204" pitchFamily="34" charset="0"/>
-                <a:cs typeface="Arial" panose="020B0604020202020204" pitchFamily="34" charset="0"/>
-              </a:rPr>
-              <a:t>RStudio run</a:t>
-            </a:r>
-          </a:p>
-        </p:txBody>
-      </p:sp>
-      <p:pic>
-        <p:nvPicPr>
-          <p:cNvPr id="1026" name="Picture 2">
-            <a:extLst>
-              <a:ext uri="{FF2B5EF4-FFF2-40B4-BE49-F238E27FC236}">
-                <a16:creationId xmlns:a16="http://schemas.microsoft.com/office/drawing/2014/main" id="{7D26BBC9-E157-E099-791B-16F014F48ECC}"/>
-              </a:ext>
-            </a:extLst>
-          </p:cNvPr>
-          <p:cNvPicPr>
-            <a:picLocks noChangeAspect="1" noChangeArrowheads="1"/>
-          </p:cNvPicPr>
-          <p:nvPr/>
-        </p:nvPicPr>
-        <p:blipFill>
-          <a:blip r:embed="rId2">
-            <a:alphaModFix amt="25000"/>
-            <a:extLst>
-              <a:ext uri="{28A0092B-C50C-407E-A947-70E740481C1C}">
-                <a14:useLocalDpi xmlns:a14="http://schemas.microsoft.com/office/drawing/2010/main" val="0"/>
-              </a:ext>
-            </a:extLst>
-          </a:blip>
-          <a:srcRect/>
-          <a:stretch>
-            <a:fillRect/>
-          </a:stretch>
-        </p:blipFill>
-        <p:spPr bwMode="auto">
-          <a:xfrm>
-            <a:off x="10701338" y="5458644"/>
-            <a:ext cx="1175043" cy="1175043"/>
-          </a:xfrm>
-          <a:prstGeom prst="rect">
-            <a:avLst/>
-          </a:prstGeom>
-          <a:noFill/>
-          <a:extLst>
-            <a:ext uri="{909E8E84-426E-40DD-AFC4-6F175D3DCCD1}">
-              <a14:hiddenFill xmlns:a14="http://schemas.microsoft.com/office/drawing/2010/main">
-                <a:solidFill>
-                  <a:srgbClr val="FFFFFF"/>
-                </a:solidFill>
-              </a14:hiddenFill>
-            </a:ext>
-          </a:extLst>
-        </p:spPr>
-      </p:pic>
-      <p:sp>
-        <p:nvSpPr>
-          <p:cNvPr id="2" name="Title 3">
-            <a:extLst>
-              <a:ext uri="{FF2B5EF4-FFF2-40B4-BE49-F238E27FC236}">
-                <a16:creationId xmlns:a16="http://schemas.microsoft.com/office/drawing/2014/main" id="{2CFCD4D2-9FC7-5D48-D64A-C97AF5E2C0E2}"/>
-              </a:ext>
-            </a:extLst>
-          </p:cNvPr>
-          <p:cNvSpPr txBox="1">
-            <a:spLocks/>
-          </p:cNvSpPr>
-          <p:nvPr/>
-        </p:nvSpPr>
-        <p:spPr>
-          <a:xfrm>
-            <a:off x="838200" y="3206230"/>
-            <a:ext cx="10515600" cy="1325563"/>
-          </a:xfrm>
-          <a:prstGeom prst="rect">
-            <a:avLst/>
-          </a:prstGeom>
-        </p:spPr>
-        <p:txBody>
-          <a:bodyPr vert="horz" lIns="91440" tIns="45720" rIns="91440" bIns="45720" rtlCol="0" anchor="ctr">
-            <a:normAutofit/>
-          </a:bodyPr>
-          <a:lstStyle>
-            <a:lvl1pPr algn="l" defTabSz="914400" rtl="0" eaLnBrk="1" latinLnBrk="0" hangingPunct="1">
-              <a:lnSpc>
-                <a:spcPct val="90000"/>
-              </a:lnSpc>
-              <a:spcBef>
-                <a:spcPct val="0"/>
-              </a:spcBef>
-              <a:buNone/>
-              <a:defRPr sz="4400" kern="1200">
-                <a:solidFill>
-                  <a:schemeClr val="tx1"/>
-                </a:solidFill>
-                <a:latin typeface="+mj-lt"/>
-                <a:ea typeface="+mj-ea"/>
-                <a:cs typeface="+mj-cs"/>
-              </a:defRPr>
-            </a:lvl1pPr>
-          </a:lstStyle>
-          <a:p>
-            <a:pPr algn="ctr"/>
-            <a:r>
-              <a:rPr lang="en-PH" sz="2400" dirty="0">
-                <a:solidFill>
-                  <a:schemeClr val="bg1"/>
-                </a:solidFill>
-                <a:latin typeface="Arial" panose="020B0604020202020204" pitchFamily="34" charset="0"/>
-                <a:cs typeface="Arial" panose="020B0604020202020204" pitchFamily="34" charset="0"/>
-              </a:rPr>
-              <a:t>Demo</a:t>
-            </a:r>
-          </a:p>
-        </p:txBody>
-      </p:sp>
-    </p:spTree>
-    <p:extLst>
-      <p:ext uri="{BB962C8B-B14F-4D97-AF65-F5344CB8AC3E}">
-        <p14:creationId xmlns:p14="http://schemas.microsoft.com/office/powerpoint/2010/main" val="1551000415"/>
-      </p:ext>
-    </p:extLst>
-  </p:cSld>
-  <p:clrMapOvr>
-    <a:masterClrMapping/>
-  </p:clrMapOvr>
-</p:sld>
-</file>
-
-<file path=ppt/slides/slide11.xml><?xml version="1.0" encoding="utf-8"?>
-<p:sld xmlns:a="http://schemas.openxmlformats.org/drawingml/2006/main" xmlns:r="http://schemas.openxmlformats.org/officeDocument/2006/relationships" xmlns:p="http://schemas.openxmlformats.org/presentationml/2006/main">
-  <p:cSld>
     <p:spTree>
       <p:nvGrpSpPr>
         <p:cNvPr id="1" name=""/>
@@ -5937,7 +5747,7 @@
 </p:sld>
 </file>
 
-<file path=ppt/slides/slide12.xml><?xml version="1.0" encoding="utf-8"?>
+<file path=ppt/slides/slide11.xml><?xml version="1.0" encoding="utf-8"?>
 <p:sld xmlns:a="http://schemas.openxmlformats.org/drawingml/2006/main" xmlns:r="http://schemas.openxmlformats.org/officeDocument/2006/relationships" xmlns:p="http://schemas.openxmlformats.org/presentationml/2006/main">
   <p:cSld>
     <p:spTree>
@@ -6873,7 +6683,7 @@
 </p:sld>
 </file>
 
-<file path=ppt/slides/slide13.xml><?xml version="1.0" encoding="utf-8"?>
+<file path=ppt/slides/slide12.xml><?xml version="1.0" encoding="utf-8"?>
 <p:sld xmlns:a="http://schemas.openxmlformats.org/drawingml/2006/main" xmlns:r="http://schemas.openxmlformats.org/officeDocument/2006/relationships" xmlns:p="http://schemas.openxmlformats.org/presentationml/2006/main">
   <p:cSld>
     <p:bg>
@@ -8092,239 +7902,6 @@
 <file path=ppt/slides/slide6.xml><?xml version="1.0" encoding="utf-8"?>
 <p:sld xmlns:a="http://schemas.openxmlformats.org/drawingml/2006/main" xmlns:r="http://schemas.openxmlformats.org/officeDocument/2006/relationships" xmlns:p="http://schemas.openxmlformats.org/presentationml/2006/main">
   <p:cSld>
-    <p:spTree>
-      <p:nvGrpSpPr>
-        <p:cNvPr id="1" name=""/>
-        <p:cNvGrpSpPr/>
-        <p:nvPr/>
-      </p:nvGrpSpPr>
-      <p:grpSpPr>
-        <a:xfrm>
-          <a:off x="0" y="0"/>
-          <a:ext cx="0" cy="0"/>
-          <a:chOff x="0" y="0"/>
-          <a:chExt cx="0" cy="0"/>
-        </a:xfrm>
-      </p:grpSpPr>
-      <p:sp>
-        <p:nvSpPr>
-          <p:cNvPr id="4" name="Title 3">
-            <a:extLst>
-              <a:ext uri="{FF2B5EF4-FFF2-40B4-BE49-F238E27FC236}">
-                <a16:creationId xmlns:a16="http://schemas.microsoft.com/office/drawing/2014/main" id="{7CE7D85D-2389-47E6-9DC1-F12E18815E0E}"/>
-              </a:ext>
-            </a:extLst>
-          </p:cNvPr>
-          <p:cNvSpPr>
-            <a:spLocks noGrp="1"/>
-          </p:cNvSpPr>
-          <p:nvPr>
-            <p:ph type="title"/>
-          </p:nvPr>
-        </p:nvSpPr>
-        <p:spPr>
-          <a:xfrm>
-            <a:off x="838200" y="547687"/>
-            <a:ext cx="10515600" cy="1325563"/>
-          </a:xfrm>
-        </p:spPr>
-        <p:txBody>
-          <a:bodyPr>
-            <a:normAutofit/>
-          </a:bodyPr>
-          <a:lstStyle/>
-          <a:p>
-            <a:r>
-              <a:rPr lang="en-PH" sz="4800" dirty="0">
-                <a:solidFill>
-                  <a:schemeClr val="accent1">
-                    <a:lumMod val="50000"/>
-                  </a:schemeClr>
-                </a:solidFill>
-              </a:rPr>
-              <a:t>Limitations of R</a:t>
-            </a:r>
-          </a:p>
-        </p:txBody>
-      </p:sp>
-      <p:sp>
-        <p:nvSpPr>
-          <p:cNvPr id="5" name="Content Placeholder 4">
-            <a:extLst>
-              <a:ext uri="{FF2B5EF4-FFF2-40B4-BE49-F238E27FC236}">
-                <a16:creationId xmlns:a16="http://schemas.microsoft.com/office/drawing/2014/main" id="{E9205CCE-EE1C-46A2-9245-E329993EF823}"/>
-              </a:ext>
-            </a:extLst>
-          </p:cNvPr>
-          <p:cNvSpPr>
-            <a:spLocks noGrp="1"/>
-          </p:cNvSpPr>
-          <p:nvPr>
-            <p:ph idx="1"/>
-          </p:nvPr>
-        </p:nvSpPr>
-        <p:spPr>
-          <a:xfrm>
-            <a:off x="4920534" y="2578634"/>
-            <a:ext cx="6315646" cy="3956050"/>
-          </a:xfrm>
-        </p:spPr>
-        <p:txBody>
-          <a:bodyPr>
-            <a:normAutofit/>
-          </a:bodyPr>
-          <a:lstStyle/>
-          <a:p>
-            <a:pPr marL="444500" indent="-444500">
-              <a:buFont typeface="Wingdings" panose="05000000000000000000" pitchFamily="2" charset="2"/>
-              <a:buChar char="§"/>
-            </a:pPr>
-            <a:r>
-              <a:rPr lang="en-PH" sz="3600" dirty="0">
-                <a:solidFill>
-                  <a:schemeClr val="accent1">
-                    <a:lumMod val="50000"/>
-                  </a:schemeClr>
-                </a:solidFill>
-              </a:rPr>
-              <a:t>Poor memory management, slow and not efficient</a:t>
-            </a:r>
-          </a:p>
-          <a:p>
-            <a:pPr marL="444500" indent="-444500">
-              <a:buFont typeface="Wingdings" panose="05000000000000000000" pitchFamily="2" charset="2"/>
-              <a:buChar char="§"/>
-            </a:pPr>
-            <a:r>
-              <a:rPr lang="en-PH" sz="3600" dirty="0">
-                <a:solidFill>
-                  <a:schemeClr val="accent1">
-                    <a:lumMod val="50000"/>
-                  </a:schemeClr>
-                </a:solidFill>
-              </a:rPr>
-              <a:t>Some packages are neither published nor tested</a:t>
-            </a:r>
-          </a:p>
-        </p:txBody>
-      </p:sp>
-      <p:pic>
-        <p:nvPicPr>
-          <p:cNvPr id="3" name="Picture 2">
-            <a:extLst>
-              <a:ext uri="{FF2B5EF4-FFF2-40B4-BE49-F238E27FC236}">
-                <a16:creationId xmlns:a16="http://schemas.microsoft.com/office/drawing/2014/main" id="{33F46950-81DA-02A6-5B42-33E10295E3DC}"/>
-              </a:ext>
-            </a:extLst>
-          </p:cNvPr>
-          <p:cNvPicPr>
-            <a:picLocks noChangeAspect="1" noChangeArrowheads="1"/>
-          </p:cNvPicPr>
-          <p:nvPr/>
-        </p:nvPicPr>
-        <p:blipFill>
-          <a:blip r:embed="rId2">
-            <a:duotone>
-              <a:prstClr val="black"/>
-              <a:srgbClr val="203864">
-                <a:tint val="45000"/>
-                <a:satMod val="400000"/>
-              </a:srgbClr>
-            </a:duotone>
-            <a:alphaModFix/>
-            <a:extLst>
-              <a:ext uri="{28A0092B-C50C-407E-A947-70E740481C1C}">
-                <a14:useLocalDpi xmlns:a14="http://schemas.microsoft.com/office/drawing/2010/main" val="0"/>
-              </a:ext>
-            </a:extLst>
-          </a:blip>
-          <a:srcRect/>
-          <a:stretch>
-            <a:fillRect/>
-          </a:stretch>
-        </p:blipFill>
-        <p:spPr bwMode="auto">
-          <a:xfrm>
-            <a:off x="10701338" y="5458644"/>
-            <a:ext cx="1175043" cy="1175043"/>
-          </a:xfrm>
-          <a:prstGeom prst="rect">
-            <a:avLst/>
-          </a:prstGeom>
-          <a:noFill/>
-          <a:extLst>
-            <a:ext uri="{909E8E84-426E-40DD-AFC4-6F175D3DCCD1}">
-              <a14:hiddenFill xmlns:a14="http://schemas.microsoft.com/office/drawing/2010/main">
-                <a:solidFill>
-                  <a:srgbClr val="FFFFFF"/>
-                </a:solidFill>
-              </a14:hiddenFill>
-            </a:ext>
-          </a:extLst>
-        </p:spPr>
-      </p:pic>
-      <p:pic>
-        <p:nvPicPr>
-          <p:cNvPr id="1026" name="Picture 2" descr="R: R Logo">
-            <a:extLst>
-              <a:ext uri="{FF2B5EF4-FFF2-40B4-BE49-F238E27FC236}">
-                <a16:creationId xmlns:a16="http://schemas.microsoft.com/office/drawing/2014/main" id="{94C451D5-A2AF-A3D5-2465-C20B8A01256A}"/>
-              </a:ext>
-            </a:extLst>
-          </p:cNvPr>
-          <p:cNvPicPr>
-            <a:picLocks noChangeAspect="1" noChangeArrowheads="1"/>
-          </p:cNvPicPr>
-          <p:nvPr/>
-        </p:nvPicPr>
-        <p:blipFill>
-          <a:blip r:embed="rId3">
-            <a:extLst>
-              <a:ext uri="{28A0092B-C50C-407E-A947-70E740481C1C}">
-                <a14:useLocalDpi xmlns:a14="http://schemas.microsoft.com/office/drawing/2010/main" val="0"/>
-              </a:ext>
-            </a:extLst>
-          </a:blip>
-          <a:srcRect/>
-          <a:stretch>
-            <a:fillRect/>
-          </a:stretch>
-        </p:blipFill>
-        <p:spPr bwMode="auto">
-          <a:xfrm>
-            <a:off x="738681" y="2273834"/>
-            <a:ext cx="3374964" cy="2615131"/>
-          </a:xfrm>
-          <a:prstGeom prst="rect">
-            <a:avLst/>
-          </a:prstGeom>
-          <a:extLst>
-            <a:ext uri="{909E8E84-426E-40DD-AFC4-6F175D3DCCD1}">
-              <a14:hiddenFill xmlns:a14="http://schemas.microsoft.com/office/drawing/2010/main">
-                <a:solidFill>
-                  <a:srgbClr val="FFFFFF"/>
-                </a:solidFill>
-              </a14:hiddenFill>
-            </a:ext>
-          </a:extLst>
-        </p:spPr>
-      </p:pic>
-    </p:spTree>
-    <p:extLst>
-      <p:ext uri="{BB962C8B-B14F-4D97-AF65-F5344CB8AC3E}">
-        <p14:creationId xmlns:p14="http://schemas.microsoft.com/office/powerpoint/2010/main" val="754789795"/>
-      </p:ext>
-    </p:extLst>
-  </p:cSld>
-  <p:clrMapOvr>
-    <a:masterClrMapping/>
-  </p:clrMapOvr>
-</p:sld>
-</file>
-
-<file path=ppt/slides/slide7.xml><?xml version="1.0" encoding="utf-8"?>
-<p:sld xmlns:a="http://schemas.openxmlformats.org/drawingml/2006/main" xmlns:r="http://schemas.openxmlformats.org/officeDocument/2006/relationships" xmlns:p="http://schemas.openxmlformats.org/presentationml/2006/main">
-  <p:cSld>
     <p:bg>
       <p:bgPr>
         <a:solidFill>
@@ -8502,6 +8079,255 @@
     <p:extLst>
       <p:ext uri="{BB962C8B-B14F-4D97-AF65-F5344CB8AC3E}">
         <p14:creationId xmlns:p14="http://schemas.microsoft.com/office/powerpoint/2010/main" val="2110557031"/>
+      </p:ext>
+    </p:extLst>
+  </p:cSld>
+  <p:clrMapOvr>
+    <a:masterClrMapping/>
+  </p:clrMapOvr>
+</p:sld>
+</file>
+
+<file path=ppt/slides/slide7.xml><?xml version="1.0" encoding="utf-8"?>
+<p:sld xmlns:a="http://schemas.openxmlformats.org/drawingml/2006/main" xmlns:r="http://schemas.openxmlformats.org/officeDocument/2006/relationships" xmlns:p="http://schemas.openxmlformats.org/presentationml/2006/main">
+  <p:cSld>
+    <p:spTree>
+      <p:nvGrpSpPr>
+        <p:cNvPr id="1" name=""/>
+        <p:cNvGrpSpPr/>
+        <p:nvPr/>
+      </p:nvGrpSpPr>
+      <p:grpSpPr>
+        <a:xfrm>
+          <a:off x="0" y="0"/>
+          <a:ext cx="0" cy="0"/>
+          <a:chOff x="0" y="0"/>
+          <a:chExt cx="0" cy="0"/>
+        </a:xfrm>
+      </p:grpSpPr>
+      <p:sp>
+        <p:nvSpPr>
+          <p:cNvPr id="4" name="Title 3">
+            <a:extLst>
+              <a:ext uri="{FF2B5EF4-FFF2-40B4-BE49-F238E27FC236}">
+                <a16:creationId xmlns:a16="http://schemas.microsoft.com/office/drawing/2014/main" id="{7CE7D85D-2389-47E6-9DC1-F12E18815E0E}"/>
+              </a:ext>
+            </a:extLst>
+          </p:cNvPr>
+          <p:cNvSpPr>
+            <a:spLocks noGrp="1"/>
+          </p:cNvSpPr>
+          <p:nvPr>
+            <p:ph type="title"/>
+          </p:nvPr>
+        </p:nvSpPr>
+        <p:spPr>
+          <a:xfrm>
+            <a:off x="838200" y="547687"/>
+            <a:ext cx="10515600" cy="1325563"/>
+          </a:xfrm>
+        </p:spPr>
+        <p:txBody>
+          <a:bodyPr>
+            <a:normAutofit/>
+          </a:bodyPr>
+          <a:lstStyle/>
+          <a:p>
+            <a:r>
+              <a:rPr lang="en-PH" sz="4800" dirty="0">
+                <a:solidFill>
+                  <a:schemeClr val="accent1">
+                    <a:lumMod val="50000"/>
+                  </a:schemeClr>
+                </a:solidFill>
+              </a:rPr>
+              <a:t>Objects, class and variables</a:t>
+            </a:r>
+          </a:p>
+        </p:txBody>
+      </p:sp>
+      <p:sp>
+        <p:nvSpPr>
+          <p:cNvPr id="5" name="Content Placeholder 4">
+            <a:extLst>
+              <a:ext uri="{FF2B5EF4-FFF2-40B4-BE49-F238E27FC236}">
+                <a16:creationId xmlns:a16="http://schemas.microsoft.com/office/drawing/2014/main" id="{E9205CCE-EE1C-46A2-9245-E329993EF823}"/>
+              </a:ext>
+            </a:extLst>
+          </p:cNvPr>
+          <p:cNvSpPr>
+            <a:spLocks noGrp="1"/>
+          </p:cNvSpPr>
+          <p:nvPr>
+            <p:ph idx="1"/>
+          </p:nvPr>
+        </p:nvSpPr>
+        <p:spPr>
+          <a:xfrm>
+            <a:off x="4920534" y="2287499"/>
+            <a:ext cx="6315646" cy="3956050"/>
+          </a:xfrm>
+        </p:spPr>
+        <p:txBody>
+          <a:bodyPr>
+            <a:normAutofit/>
+          </a:bodyPr>
+          <a:lstStyle/>
+          <a:p>
+            <a:pPr marL="444500" indent="-444500">
+              <a:buFont typeface="Wingdings" panose="05000000000000000000" pitchFamily="2" charset="2"/>
+              <a:buChar char="§"/>
+            </a:pPr>
+            <a:r>
+              <a:rPr lang="en-PH" sz="3600" dirty="0">
+                <a:solidFill>
+                  <a:schemeClr val="accent1">
+                    <a:lumMod val="50000"/>
+                  </a:schemeClr>
+                </a:solidFill>
+              </a:rPr>
+              <a:t>Object - everything in R is called an object</a:t>
+            </a:r>
+          </a:p>
+          <a:p>
+            <a:pPr marL="444500" indent="-444500">
+              <a:buFont typeface="Wingdings" panose="05000000000000000000" pitchFamily="2" charset="2"/>
+              <a:buChar char="§"/>
+            </a:pPr>
+            <a:r>
+              <a:rPr lang="en-PH" sz="3600" dirty="0">
+                <a:solidFill>
+                  <a:schemeClr val="accent1">
+                    <a:lumMod val="50000"/>
+                  </a:schemeClr>
+                </a:solidFill>
+              </a:rPr>
+              <a:t>Class - blueprint of the object </a:t>
+            </a:r>
+          </a:p>
+          <a:p>
+            <a:pPr marL="444500" indent="-444500">
+              <a:buFont typeface="Wingdings" panose="05000000000000000000" pitchFamily="2" charset="2"/>
+              <a:buChar char="§"/>
+            </a:pPr>
+            <a:r>
+              <a:rPr lang="en-PH" sz="3600" dirty="0">
+                <a:solidFill>
+                  <a:schemeClr val="accent1">
+                    <a:lumMod val="50000"/>
+                  </a:schemeClr>
+                </a:solidFill>
+              </a:rPr>
+              <a:t>Variable - a container for any object</a:t>
+            </a:r>
+          </a:p>
+        </p:txBody>
+      </p:sp>
+      <p:pic>
+        <p:nvPicPr>
+          <p:cNvPr id="3" name="Picture 2">
+            <a:extLst>
+              <a:ext uri="{FF2B5EF4-FFF2-40B4-BE49-F238E27FC236}">
+                <a16:creationId xmlns:a16="http://schemas.microsoft.com/office/drawing/2014/main" id="{33F46950-81DA-02A6-5B42-33E10295E3DC}"/>
+              </a:ext>
+            </a:extLst>
+          </p:cNvPr>
+          <p:cNvPicPr>
+            <a:picLocks noChangeAspect="1" noChangeArrowheads="1"/>
+          </p:cNvPicPr>
+          <p:nvPr/>
+        </p:nvPicPr>
+        <p:blipFill>
+          <a:blip r:embed="rId2">
+            <a:duotone>
+              <a:prstClr val="black"/>
+              <a:srgbClr val="203864">
+                <a:tint val="45000"/>
+                <a:satMod val="400000"/>
+              </a:srgbClr>
+            </a:duotone>
+            <a:alphaModFix/>
+            <a:extLst>
+              <a:ext uri="{28A0092B-C50C-407E-A947-70E740481C1C}">
+                <a14:useLocalDpi xmlns:a14="http://schemas.microsoft.com/office/drawing/2010/main" val="0"/>
+              </a:ext>
+            </a:extLst>
+          </a:blip>
+          <a:srcRect/>
+          <a:stretch>
+            <a:fillRect/>
+          </a:stretch>
+        </p:blipFill>
+        <p:spPr bwMode="auto">
+          <a:xfrm>
+            <a:off x="10701338" y="5458644"/>
+            <a:ext cx="1175043" cy="1175043"/>
+          </a:xfrm>
+          <a:prstGeom prst="rect">
+            <a:avLst/>
+          </a:prstGeom>
+          <a:noFill/>
+          <a:extLst>
+            <a:ext uri="{909E8E84-426E-40DD-AFC4-6F175D3DCCD1}">
+              <a14:hiddenFill xmlns:a14="http://schemas.microsoft.com/office/drawing/2010/main">
+                <a:solidFill>
+                  <a:srgbClr val="FFFFFF"/>
+                </a:solidFill>
+              </a14:hiddenFill>
+            </a:ext>
+          </a:extLst>
+        </p:spPr>
+      </p:pic>
+      <p:pic>
+        <p:nvPicPr>
+          <p:cNvPr id="1026" name="Picture 2" descr="R: R Logo">
+            <a:extLst>
+              <a:ext uri="{FF2B5EF4-FFF2-40B4-BE49-F238E27FC236}">
+                <a16:creationId xmlns:a16="http://schemas.microsoft.com/office/drawing/2014/main" id="{94C451D5-A2AF-A3D5-2465-C20B8A01256A}"/>
+              </a:ext>
+            </a:extLst>
+          </p:cNvPr>
+          <p:cNvPicPr>
+            <a:picLocks noChangeAspect="1" noChangeArrowheads="1"/>
+          </p:cNvPicPr>
+          <p:nvPr/>
+        </p:nvPicPr>
+        <p:blipFill>
+          <a:blip r:embed="rId3">
+            <a:extLst>
+              <a:ext uri="{28A0092B-C50C-407E-A947-70E740481C1C}">
+                <a14:useLocalDpi xmlns:a14="http://schemas.microsoft.com/office/drawing/2010/main" val="0"/>
+              </a:ext>
+            </a:extLst>
+          </a:blip>
+          <a:srcRect/>
+          <a:stretch>
+            <a:fillRect/>
+          </a:stretch>
+        </p:blipFill>
+        <p:spPr bwMode="auto">
+          <a:xfrm>
+            <a:off x="738681" y="2273834"/>
+            <a:ext cx="3374964" cy="2615131"/>
+          </a:xfrm>
+          <a:prstGeom prst="rect">
+            <a:avLst/>
+          </a:prstGeom>
+          <a:extLst>
+            <a:ext uri="{909E8E84-426E-40DD-AFC4-6F175D3DCCD1}">
+              <a14:hiddenFill xmlns:a14="http://schemas.microsoft.com/office/drawing/2010/main">
+                <a:solidFill>
+                  <a:srgbClr val="FFFFFF"/>
+                </a:solidFill>
+              </a14:hiddenFill>
+            </a:ext>
+          </a:extLst>
+        </p:spPr>
+      </p:pic>
+    </p:spTree>
+    <p:extLst>
+      <p:ext uri="{BB962C8B-B14F-4D97-AF65-F5344CB8AC3E}">
+        <p14:creationId xmlns:p14="http://schemas.microsoft.com/office/powerpoint/2010/main" val="2719294331"/>
       </p:ext>
     </p:extLst>
   </p:cSld>
@@ -8528,255 +8354,6 @@
           <a:chExt cx="0" cy="0"/>
         </a:xfrm>
       </p:grpSpPr>
-      <p:sp>
-        <p:nvSpPr>
-          <p:cNvPr id="4" name="Title 3">
-            <a:extLst>
-              <a:ext uri="{FF2B5EF4-FFF2-40B4-BE49-F238E27FC236}">
-                <a16:creationId xmlns:a16="http://schemas.microsoft.com/office/drawing/2014/main" id="{7CE7D85D-2389-47E6-9DC1-F12E18815E0E}"/>
-              </a:ext>
-            </a:extLst>
-          </p:cNvPr>
-          <p:cNvSpPr>
-            <a:spLocks noGrp="1"/>
-          </p:cNvSpPr>
-          <p:nvPr>
-            <p:ph type="title"/>
-          </p:nvPr>
-        </p:nvSpPr>
-        <p:spPr>
-          <a:xfrm>
-            <a:off x="838200" y="547687"/>
-            <a:ext cx="10515600" cy="1325563"/>
-          </a:xfrm>
-        </p:spPr>
-        <p:txBody>
-          <a:bodyPr>
-            <a:normAutofit/>
-          </a:bodyPr>
-          <a:lstStyle/>
-          <a:p>
-            <a:r>
-              <a:rPr lang="en-PH" sz="4800" dirty="0">
-                <a:solidFill>
-                  <a:schemeClr val="accent1">
-                    <a:lumMod val="50000"/>
-                  </a:schemeClr>
-                </a:solidFill>
-              </a:rPr>
-              <a:t>Objects, class and variables</a:t>
-            </a:r>
-          </a:p>
-        </p:txBody>
-      </p:sp>
-      <p:sp>
-        <p:nvSpPr>
-          <p:cNvPr id="5" name="Content Placeholder 4">
-            <a:extLst>
-              <a:ext uri="{FF2B5EF4-FFF2-40B4-BE49-F238E27FC236}">
-                <a16:creationId xmlns:a16="http://schemas.microsoft.com/office/drawing/2014/main" id="{E9205CCE-EE1C-46A2-9245-E329993EF823}"/>
-              </a:ext>
-            </a:extLst>
-          </p:cNvPr>
-          <p:cNvSpPr>
-            <a:spLocks noGrp="1"/>
-          </p:cNvSpPr>
-          <p:nvPr>
-            <p:ph idx="1"/>
-          </p:nvPr>
-        </p:nvSpPr>
-        <p:spPr>
-          <a:xfrm>
-            <a:off x="4920534" y="2287499"/>
-            <a:ext cx="6315646" cy="3956050"/>
-          </a:xfrm>
-        </p:spPr>
-        <p:txBody>
-          <a:bodyPr>
-            <a:normAutofit/>
-          </a:bodyPr>
-          <a:lstStyle/>
-          <a:p>
-            <a:pPr marL="444500" indent="-444500">
-              <a:buFont typeface="Wingdings" panose="05000000000000000000" pitchFamily="2" charset="2"/>
-              <a:buChar char="§"/>
-            </a:pPr>
-            <a:r>
-              <a:rPr lang="en-PH" sz="3600" dirty="0">
-                <a:solidFill>
-                  <a:schemeClr val="accent1">
-                    <a:lumMod val="50000"/>
-                  </a:schemeClr>
-                </a:solidFill>
-              </a:rPr>
-              <a:t>Object - everything in R is called an object</a:t>
-            </a:r>
-          </a:p>
-          <a:p>
-            <a:pPr marL="444500" indent="-444500">
-              <a:buFont typeface="Wingdings" panose="05000000000000000000" pitchFamily="2" charset="2"/>
-              <a:buChar char="§"/>
-            </a:pPr>
-            <a:r>
-              <a:rPr lang="en-PH" sz="3600" dirty="0">
-                <a:solidFill>
-                  <a:schemeClr val="accent1">
-                    <a:lumMod val="50000"/>
-                  </a:schemeClr>
-                </a:solidFill>
-              </a:rPr>
-              <a:t>Class - blueprint of the object </a:t>
-            </a:r>
-          </a:p>
-          <a:p>
-            <a:pPr marL="444500" indent="-444500">
-              <a:buFont typeface="Wingdings" panose="05000000000000000000" pitchFamily="2" charset="2"/>
-              <a:buChar char="§"/>
-            </a:pPr>
-            <a:r>
-              <a:rPr lang="en-PH" sz="3600" dirty="0">
-                <a:solidFill>
-                  <a:schemeClr val="accent1">
-                    <a:lumMod val="50000"/>
-                  </a:schemeClr>
-                </a:solidFill>
-              </a:rPr>
-              <a:t>Variable - a container for any object</a:t>
-            </a:r>
-          </a:p>
-        </p:txBody>
-      </p:sp>
-      <p:pic>
-        <p:nvPicPr>
-          <p:cNvPr id="3" name="Picture 2">
-            <a:extLst>
-              <a:ext uri="{FF2B5EF4-FFF2-40B4-BE49-F238E27FC236}">
-                <a16:creationId xmlns:a16="http://schemas.microsoft.com/office/drawing/2014/main" id="{33F46950-81DA-02A6-5B42-33E10295E3DC}"/>
-              </a:ext>
-            </a:extLst>
-          </p:cNvPr>
-          <p:cNvPicPr>
-            <a:picLocks noChangeAspect="1" noChangeArrowheads="1"/>
-          </p:cNvPicPr>
-          <p:nvPr/>
-        </p:nvPicPr>
-        <p:blipFill>
-          <a:blip r:embed="rId2">
-            <a:duotone>
-              <a:prstClr val="black"/>
-              <a:srgbClr val="203864">
-                <a:tint val="45000"/>
-                <a:satMod val="400000"/>
-              </a:srgbClr>
-            </a:duotone>
-            <a:alphaModFix/>
-            <a:extLst>
-              <a:ext uri="{28A0092B-C50C-407E-A947-70E740481C1C}">
-                <a14:useLocalDpi xmlns:a14="http://schemas.microsoft.com/office/drawing/2010/main" val="0"/>
-              </a:ext>
-            </a:extLst>
-          </a:blip>
-          <a:srcRect/>
-          <a:stretch>
-            <a:fillRect/>
-          </a:stretch>
-        </p:blipFill>
-        <p:spPr bwMode="auto">
-          <a:xfrm>
-            <a:off x="10701338" y="5458644"/>
-            <a:ext cx="1175043" cy="1175043"/>
-          </a:xfrm>
-          <a:prstGeom prst="rect">
-            <a:avLst/>
-          </a:prstGeom>
-          <a:noFill/>
-          <a:extLst>
-            <a:ext uri="{909E8E84-426E-40DD-AFC4-6F175D3DCCD1}">
-              <a14:hiddenFill xmlns:a14="http://schemas.microsoft.com/office/drawing/2010/main">
-                <a:solidFill>
-                  <a:srgbClr val="FFFFFF"/>
-                </a:solidFill>
-              </a14:hiddenFill>
-            </a:ext>
-          </a:extLst>
-        </p:spPr>
-      </p:pic>
-      <p:pic>
-        <p:nvPicPr>
-          <p:cNvPr id="1026" name="Picture 2" descr="R: R Logo">
-            <a:extLst>
-              <a:ext uri="{FF2B5EF4-FFF2-40B4-BE49-F238E27FC236}">
-                <a16:creationId xmlns:a16="http://schemas.microsoft.com/office/drawing/2014/main" id="{94C451D5-A2AF-A3D5-2465-C20B8A01256A}"/>
-              </a:ext>
-            </a:extLst>
-          </p:cNvPr>
-          <p:cNvPicPr>
-            <a:picLocks noChangeAspect="1" noChangeArrowheads="1"/>
-          </p:cNvPicPr>
-          <p:nvPr/>
-        </p:nvPicPr>
-        <p:blipFill>
-          <a:blip r:embed="rId3">
-            <a:extLst>
-              <a:ext uri="{28A0092B-C50C-407E-A947-70E740481C1C}">
-                <a14:useLocalDpi xmlns:a14="http://schemas.microsoft.com/office/drawing/2010/main" val="0"/>
-              </a:ext>
-            </a:extLst>
-          </a:blip>
-          <a:srcRect/>
-          <a:stretch>
-            <a:fillRect/>
-          </a:stretch>
-        </p:blipFill>
-        <p:spPr bwMode="auto">
-          <a:xfrm>
-            <a:off x="738681" y="2273834"/>
-            <a:ext cx="3374964" cy="2615131"/>
-          </a:xfrm>
-          <a:prstGeom prst="rect">
-            <a:avLst/>
-          </a:prstGeom>
-          <a:extLst>
-            <a:ext uri="{909E8E84-426E-40DD-AFC4-6F175D3DCCD1}">
-              <a14:hiddenFill xmlns:a14="http://schemas.microsoft.com/office/drawing/2010/main">
-                <a:solidFill>
-                  <a:srgbClr val="FFFFFF"/>
-                </a:solidFill>
-              </a14:hiddenFill>
-            </a:ext>
-          </a:extLst>
-        </p:spPr>
-      </p:pic>
-    </p:spTree>
-    <p:extLst>
-      <p:ext uri="{BB962C8B-B14F-4D97-AF65-F5344CB8AC3E}">
-        <p14:creationId xmlns:p14="http://schemas.microsoft.com/office/powerpoint/2010/main" val="2719294331"/>
-      </p:ext>
-    </p:extLst>
-  </p:cSld>
-  <p:clrMapOvr>
-    <a:masterClrMapping/>
-  </p:clrMapOvr>
-</p:sld>
-</file>
-
-<file path=ppt/slides/slide9.xml><?xml version="1.0" encoding="utf-8"?>
-<p:sld xmlns:a="http://schemas.openxmlformats.org/drawingml/2006/main" xmlns:r="http://schemas.openxmlformats.org/officeDocument/2006/relationships" xmlns:p="http://schemas.openxmlformats.org/presentationml/2006/main">
-  <p:cSld>
-    <p:spTree>
-      <p:nvGrpSpPr>
-        <p:cNvPr id="1" name=""/>
-        <p:cNvGrpSpPr/>
-        <p:nvPr/>
-      </p:nvGrpSpPr>
-      <p:grpSpPr>
-        <a:xfrm>
-          <a:off x="0" y="0"/>
-          <a:ext cx="0" cy="0"/>
-          <a:chOff x="0" y="0"/>
-          <a:chExt cx="0" cy="0"/>
-        </a:xfrm>
-      </p:grpSpPr>
       <p:pic>
         <p:nvPicPr>
           <p:cNvPr id="10" name="Picture 9">
@@ -9324,6 +8901,195 @@
     <p:extLst>
       <p:ext uri="{BB962C8B-B14F-4D97-AF65-F5344CB8AC3E}">
         <p14:creationId xmlns:p14="http://schemas.microsoft.com/office/powerpoint/2010/main" val="1783569734"/>
+      </p:ext>
+    </p:extLst>
+  </p:cSld>
+  <p:clrMapOvr>
+    <a:masterClrMapping/>
+  </p:clrMapOvr>
+</p:sld>
+</file>
+
+<file path=ppt/slides/slide9.xml><?xml version="1.0" encoding="utf-8"?>
+<p:sld xmlns:a="http://schemas.openxmlformats.org/drawingml/2006/main" xmlns:r="http://schemas.openxmlformats.org/officeDocument/2006/relationships" xmlns:p="http://schemas.openxmlformats.org/presentationml/2006/main">
+  <p:cSld>
+    <p:bg>
+      <p:bgPr>
+        <a:solidFill>
+          <a:srgbClr val="203864"/>
+        </a:solidFill>
+        <a:effectLst/>
+      </p:bgPr>
+    </p:bg>
+    <p:spTree>
+      <p:nvGrpSpPr>
+        <p:cNvPr id="1" name=""/>
+        <p:cNvGrpSpPr/>
+        <p:nvPr/>
+      </p:nvGrpSpPr>
+      <p:grpSpPr>
+        <a:xfrm>
+          <a:off x="0" y="0"/>
+          <a:ext cx="0" cy="0"/>
+          <a:chOff x="0" y="0"/>
+          <a:chExt cx="0" cy="0"/>
+        </a:xfrm>
+      </p:grpSpPr>
+      <p:sp>
+        <p:nvSpPr>
+          <p:cNvPr id="4" name="Title 3">
+            <a:extLst>
+              <a:ext uri="{FF2B5EF4-FFF2-40B4-BE49-F238E27FC236}">
+                <a16:creationId xmlns:a16="http://schemas.microsoft.com/office/drawing/2014/main" id="{7CE7D85D-2389-47E6-9DC1-F12E18815E0E}"/>
+              </a:ext>
+            </a:extLst>
+          </p:cNvPr>
+          <p:cNvSpPr>
+            <a:spLocks noGrp="1"/>
+          </p:cNvSpPr>
+          <p:nvPr>
+            <p:ph type="title"/>
+          </p:nvPr>
+        </p:nvSpPr>
+        <p:spPr>
+          <a:xfrm>
+            <a:off x="838200" y="2543449"/>
+            <a:ext cx="10515600" cy="1325563"/>
+          </a:xfrm>
+        </p:spPr>
+        <p:txBody>
+          <a:bodyPr>
+            <a:normAutofit/>
+          </a:bodyPr>
+          <a:lstStyle/>
+          <a:p>
+            <a:pPr algn="ctr"/>
+            <a:r>
+              <a:rPr lang="en-PH" sz="4800" dirty="0">
+                <a:solidFill>
+                  <a:schemeClr val="bg1"/>
+                </a:solidFill>
+                <a:latin typeface="Arial" panose="020B0604020202020204" pitchFamily="34" charset="0"/>
+                <a:cs typeface="Arial" panose="020B0604020202020204" pitchFamily="34" charset="0"/>
+              </a:rPr>
+              <a:t>RStudio run</a:t>
+            </a:r>
+          </a:p>
+        </p:txBody>
+      </p:sp>
+      <p:pic>
+        <p:nvPicPr>
+          <p:cNvPr id="1026" name="Picture 2">
+            <a:extLst>
+              <a:ext uri="{FF2B5EF4-FFF2-40B4-BE49-F238E27FC236}">
+                <a16:creationId xmlns:a16="http://schemas.microsoft.com/office/drawing/2014/main" id="{7D26BBC9-E157-E099-791B-16F014F48ECC}"/>
+              </a:ext>
+            </a:extLst>
+          </p:cNvPr>
+          <p:cNvPicPr>
+            <a:picLocks noChangeAspect="1" noChangeArrowheads="1"/>
+          </p:cNvPicPr>
+          <p:nvPr/>
+        </p:nvPicPr>
+        <p:blipFill>
+          <a:blip r:embed="rId2">
+            <a:alphaModFix amt="25000"/>
+            <a:extLst>
+              <a:ext uri="{28A0092B-C50C-407E-A947-70E740481C1C}">
+                <a14:useLocalDpi xmlns:a14="http://schemas.microsoft.com/office/drawing/2010/main" val="0"/>
+              </a:ext>
+            </a:extLst>
+          </a:blip>
+          <a:srcRect/>
+          <a:stretch>
+            <a:fillRect/>
+          </a:stretch>
+        </p:blipFill>
+        <p:spPr bwMode="auto">
+          <a:xfrm>
+            <a:off x="10701338" y="5458644"/>
+            <a:ext cx="1175043" cy="1175043"/>
+          </a:xfrm>
+          <a:prstGeom prst="rect">
+            <a:avLst/>
+          </a:prstGeom>
+          <a:noFill/>
+          <a:extLst>
+            <a:ext uri="{909E8E84-426E-40DD-AFC4-6F175D3DCCD1}">
+              <a14:hiddenFill xmlns:a14="http://schemas.microsoft.com/office/drawing/2010/main">
+                <a:solidFill>
+                  <a:srgbClr val="FFFFFF"/>
+                </a:solidFill>
+              </a14:hiddenFill>
+            </a:ext>
+          </a:extLst>
+        </p:spPr>
+      </p:pic>
+      <p:sp>
+        <p:nvSpPr>
+          <p:cNvPr id="2" name="Title 3">
+            <a:extLst>
+              <a:ext uri="{FF2B5EF4-FFF2-40B4-BE49-F238E27FC236}">
+                <a16:creationId xmlns:a16="http://schemas.microsoft.com/office/drawing/2014/main" id="{2CFCD4D2-9FC7-5D48-D64A-C97AF5E2C0E2}"/>
+              </a:ext>
+            </a:extLst>
+          </p:cNvPr>
+          <p:cNvSpPr txBox="1">
+            <a:spLocks/>
+          </p:cNvSpPr>
+          <p:nvPr/>
+        </p:nvSpPr>
+        <p:spPr>
+          <a:xfrm>
+            <a:off x="838200" y="3206230"/>
+            <a:ext cx="10515600" cy="1325563"/>
+          </a:xfrm>
+          <a:prstGeom prst="rect">
+            <a:avLst/>
+          </a:prstGeom>
+        </p:spPr>
+        <p:txBody>
+          <a:bodyPr vert="horz" lIns="91440" tIns="45720" rIns="91440" bIns="45720" rtlCol="0" anchor="ctr">
+            <a:normAutofit/>
+          </a:bodyPr>
+          <a:lstStyle>
+            <a:lvl1pPr algn="l" defTabSz="914400" rtl="0" eaLnBrk="1" latinLnBrk="0" hangingPunct="1">
+              <a:lnSpc>
+                <a:spcPct val="90000"/>
+              </a:lnSpc>
+              <a:spcBef>
+                <a:spcPct val="0"/>
+              </a:spcBef>
+              <a:buNone/>
+              <a:defRPr sz="4400" kern="1200">
+                <a:solidFill>
+                  <a:schemeClr val="tx1"/>
+                </a:solidFill>
+                <a:latin typeface="+mj-lt"/>
+                <a:ea typeface="+mj-ea"/>
+                <a:cs typeface="+mj-cs"/>
+              </a:defRPr>
+            </a:lvl1pPr>
+          </a:lstStyle>
+          <a:p>
+            <a:pPr algn="ctr"/>
+            <a:r>
+              <a:rPr lang="en-PH" sz="2400" dirty="0">
+                <a:solidFill>
+                  <a:schemeClr val="bg1"/>
+                </a:solidFill>
+                <a:latin typeface="Arial" panose="020B0604020202020204" pitchFamily="34" charset="0"/>
+                <a:cs typeface="Arial" panose="020B0604020202020204" pitchFamily="34" charset="0"/>
+              </a:rPr>
+              <a:t>Demo</a:t>
+            </a:r>
+          </a:p>
+        </p:txBody>
+      </p:sp>
+    </p:spTree>
+    <p:extLst>
+      <p:ext uri="{BB962C8B-B14F-4D97-AF65-F5344CB8AC3E}">
+        <p14:creationId xmlns:p14="http://schemas.microsoft.com/office/powerpoint/2010/main" val="1551000415"/>
       </p:ext>
     </p:extLst>
   </p:cSld>
